--- a/Presentation 3.pptx
+++ b/Presentation 3.pptx
@@ -254,7 +254,7 @@
             <a:pPr rtl="0"/>
             <a:fld id="{BD9F0D7B-CC30-49B2-84DF-4EF2AF81DB57}" type="datetime1">
               <a:rPr lang="ru-RU" smtClean="0"/>
-              <a:t>21.12.2024</a:t>
+              <a:t>22.12.2024</a:t>
             </a:fld>
             <a:endParaRPr lang="ru-RU"/>
           </a:p>
@@ -435,7 +435,7 @@
             <a:fld id="{2FB9301F-F85E-4923-A4E4-7DB1529AA245}" type="datetime1">
               <a:rPr lang="ru-RU" smtClean="0"/>
               <a:pPr/>
-              <a:t>21.12.2024</a:t>
+              <a:t>22.12.2024</a:t>
             </a:fld>
             <a:endParaRPr lang="ru-RU"/>
           </a:p>
@@ -864,7 +864,7 @@
           <a:p>
             <a:fld id="{F2EE3B7B-C7B5-42CF-90CF-67B3D21B2314}" type="datetimeFigureOut">
               <a:rPr lang="en-US" dirty="0"/>
-              <a:t>12/21/2024</a:t>
+              <a:t>12/22/2024</a:t>
             </a:fld>
             <a:endParaRPr lang="en-US"/>
           </a:p>
@@ -1092,7 +1092,7 @@
           <a:p>
             <a:fld id="{6BAD9902-F134-45BD-ABD2-80C28059B090}" type="datetimeFigureOut">
               <a:rPr lang="en-US" dirty="0"/>
-              <a:t>12/21/2024</a:t>
+              <a:t>12/22/2024</a:t>
             </a:fld>
             <a:endParaRPr lang="en-US"/>
           </a:p>
@@ -1304,7 +1304,7 @@
           <a:p>
             <a:fld id="{C2B04DB0-379A-41B7-9B29-7F42F0D571D5}" type="datetimeFigureOut">
               <a:rPr lang="en-US" dirty="0"/>
-              <a:t>12/21/2024</a:t>
+              <a:t>12/22/2024</a:t>
             </a:fld>
             <a:endParaRPr lang="en-US"/>
           </a:p>
@@ -6776,7 +6776,7 @@
           <a:p>
             <a:fld id="{0F996519-E62D-4F8C-AE1E-36928EC7D15C}" type="datetimeFigureOut">
               <a:rPr lang="en-US" dirty="0"/>
-              <a:t>12/21/2024</a:t>
+              <a:t>12/22/2024</a:t>
             </a:fld>
             <a:endParaRPr lang="en-US"/>
           </a:p>
@@ -9478,7 +9478,7 @@
           <a:p>
             <a:fld id="{6477AEB6-FCE1-4CD5-923B-84E54F1460D5}" type="datetimeFigureOut">
               <a:rPr lang="en-US" dirty="0"/>
-              <a:t>12/21/2024</a:t>
+              <a:t>12/22/2024</a:t>
             </a:fld>
             <a:endParaRPr lang="en-US"/>
           </a:p>
@@ -9788,7 +9788,7 @@
           <a:p>
             <a:fld id="{96374C2F-71A1-43C9-B2F6-A4FAC8157F1A}" type="datetimeFigureOut">
               <a:rPr lang="en-US" dirty="0"/>
-              <a:t>12/21/2024</a:t>
+              <a:t>12/22/2024</a:t>
             </a:fld>
             <a:endParaRPr lang="en-US"/>
           </a:p>
@@ -10208,7 +10208,7 @@
           <a:p>
             <a:fld id="{AD631DCC-9916-4BB7-A2E9-25EC84C740A7}" type="datetimeFigureOut">
               <a:rPr lang="en-US" dirty="0"/>
-              <a:t>12/21/2024</a:t>
+              <a:t>12/22/2024</a:t>
             </a:fld>
             <a:endParaRPr lang="en-US"/>
           </a:p>
@@ -10358,7 +10358,7 @@
           <a:p>
             <a:fld id="{AF59146A-335D-4B7F-86AE-5D483B1F631C}" type="datetimeFigureOut">
               <a:rPr lang="en-US" dirty="0"/>
-              <a:t>12/21/2024</a:t>
+              <a:t>12/22/2024</a:t>
             </a:fld>
             <a:endParaRPr lang="en-US"/>
           </a:p>
@@ -10475,7 +10475,7 @@
           <a:p>
             <a:fld id="{DD71D8EC-8E17-4CE6-99C2-C22488572868}" type="datetimeFigureOut">
               <a:rPr lang="en-US" dirty="0"/>
-              <a:t>12/21/2024</a:t>
+              <a:t>12/22/2024</a:t>
             </a:fld>
             <a:endParaRPr lang="en-US"/>
           </a:p>
@@ -10790,7 +10790,7 @@
           <a:p>
             <a:fld id="{9A750ABA-DFFA-4B13-BB77-624D9164A38B}" type="datetimeFigureOut">
               <a:rPr lang="en-US" dirty="0"/>
-              <a:t>12/21/2024</a:t>
+              <a:t>12/22/2024</a:t>
             </a:fld>
             <a:endParaRPr lang="en-US"/>
           </a:p>
@@ -11087,7 +11087,7 @@
           <a:p>
             <a:fld id="{3220A08F-2B1D-4498-A043-7C299B1C2561}" type="datetimeFigureOut">
               <a:rPr lang="en-US" dirty="0"/>
-              <a:t>12/21/2024</a:t>
+              <a:t>12/22/2024</a:t>
             </a:fld>
             <a:endParaRPr lang="en-US"/>
           </a:p>
@@ -11336,7 +11336,7 @@
           <a:p>
             <a:fld id="{567E9B64-DC09-41C8-9DE3-DA74AF8D2F97}" type="datetimeFigureOut">
               <a:rPr lang="en-US" dirty="0"/>
-              <a:t>12/21/2024</a:t>
+              <a:t>12/22/2024</a:t>
             </a:fld>
             <a:endParaRPr lang="en-US"/>
           </a:p>
@@ -11790,10 +11790,10 @@
       </p:grpSpPr>
       <p:sp>
         <p:nvSpPr>
-          <p:cNvPr id="2" name="Заголовок 1">
-            <a:extLst>
-              <a:ext uri="{FF2B5EF4-FFF2-40B4-BE49-F238E27FC236}">
-                <a16:creationId xmlns:a16="http://schemas.microsoft.com/office/drawing/2014/main" id="{BAD75D58-7C2A-7DBD-2484-257097881AB4}"/>
+          <p:cNvPr id="4" name="Дата 3">
+            <a:extLst>
+              <a:ext uri="{FF2B5EF4-FFF2-40B4-BE49-F238E27FC236}">
+                <a16:creationId xmlns:a16="http://schemas.microsoft.com/office/drawing/2014/main" id="{53BA9C21-93FC-F675-7D27-8BDBBA85A465}"/>
               </a:ext>
             </a:extLst>
           </p:cNvPr>
@@ -11801,183 +11801,16 @@
             <a:spLocks noGrp="1"/>
           </p:cNvSpPr>
           <p:nvPr>
-            <p:ph type="ctrTitle"/>
-          </p:nvPr>
-        </p:nvSpPr>
-        <p:spPr>
-          <a:xfrm>
-            <a:off x="298377" y="1084393"/>
-            <a:ext cx="11528618" cy="3220906"/>
-          </a:xfrm>
-        </p:spPr>
+            <p:ph type="dt" sz="half" idx="10"/>
+          </p:nvPr>
+        </p:nvSpPr>
+        <p:spPr/>
         <p:txBody>
           <a:bodyPr/>
           <a:lstStyle/>
           <a:p>
-            <a:r>
-              <a:rPr lang="ru-RU" sz="2000">
-                <a:solidFill>
-                  <a:srgbClr val="87D494"/>
-                </a:solidFill>
-              </a:rPr>
-              <a:t>C/</a:t>
-            </a:r>
-            <a:r>
-              <a:rPr lang="ru-RU" sz="2000" err="1">
-                <a:solidFill>
-                  <a:srgbClr val="87D494"/>
-                </a:solidFill>
-              </a:rPr>
-              <a:t>Users</a:t>
-            </a:r>
-            <a:r>
-              <a:rPr lang="ru-RU" sz="2000">
-                <a:solidFill>
-                  <a:srgbClr val="87D494"/>
-                </a:solidFill>
-              </a:rPr>
-              <a:t>/Nonames.txt.2.0</a:t>
-            </a:r>
-            <a:br>
-              <a:rPr lang="ru-RU" sz="2000"/>
-            </a:br>
-            <a:r>
-              <a:rPr lang="ru-RU" sz="2000" err="1">
-                <a:solidFill>
-                  <a:srgbClr val="87D494"/>
-                </a:solidFill>
-              </a:rPr>
-              <a:t>importing</a:t>
-            </a:r>
-            <a:r>
-              <a:rPr lang="ru-RU" sz="2000">
-                <a:solidFill>
-                  <a:srgbClr val="87D494"/>
-                </a:solidFill>
-              </a:rPr>
-              <a:t> </a:t>
-            </a:r>
-            <a:r>
-              <a:rPr lang="ru-RU" sz="2000" err="1">
-                <a:solidFill>
-                  <a:srgbClr val="87D494"/>
-                </a:solidFill>
-              </a:rPr>
-              <a:t>free</a:t>
-            </a:r>
-            <a:r>
-              <a:rPr lang="ru-RU" sz="2000">
-                <a:solidFill>
-                  <a:srgbClr val="87D494"/>
-                </a:solidFill>
-              </a:rPr>
-              <a:t> </a:t>
-            </a:r>
-            <a:r>
-              <a:rPr lang="ru-RU" sz="2000" err="1">
-                <a:solidFill>
-                  <a:srgbClr val="87D494"/>
-                </a:solidFill>
-              </a:rPr>
-              <a:t>time</a:t>
-            </a:r>
-            <a:br>
-              <a:rPr lang="ru-RU" sz="2000"/>
-            </a:br>
-            <a:r>
-              <a:rPr lang="ru-RU" sz="2000">
-                <a:solidFill>
-                  <a:srgbClr val="87D494"/>
-                </a:solidFill>
-              </a:rPr>
-              <a:t>Boot </a:t>
-            </a:r>
-            <a:r>
-              <a:rPr lang="ru-RU" sz="2000" err="1">
-                <a:solidFill>
-                  <a:srgbClr val="87D494"/>
-                </a:solidFill>
-              </a:rPr>
-              <a:t>up</a:t>
-            </a:r>
-            <a:r>
-              <a:rPr lang="ru-RU" sz="2000">
-                <a:solidFill>
-                  <a:srgbClr val="87D494"/>
-                </a:solidFill>
-              </a:rPr>
-              <a:t> </a:t>
-            </a:r>
-            <a:r>
-              <a:rPr lang="ru-RU" sz="2000" err="1">
-                <a:solidFill>
-                  <a:srgbClr val="87D494"/>
-                </a:solidFill>
-              </a:rPr>
-              <a:t>sequence</a:t>
-            </a:r>
-            <a:r>
-              <a:rPr lang="ru-RU" sz="2000">
-                <a:solidFill>
-                  <a:srgbClr val="87D494"/>
-                </a:solidFill>
-              </a:rPr>
-              <a:t> . . .</a:t>
-            </a:r>
-            <a:br>
-              <a:rPr lang="ru-RU" sz="2000">
-                <a:solidFill>
-                  <a:srgbClr val="87D494"/>
-                </a:solidFill>
-              </a:rPr>
-            </a:br>
-            <a:br>
-              <a:rPr lang="ru-RU" sz="2000"/>
-            </a:br>
-            <a:r>
-              <a:rPr lang="ru-RU" sz="2000">
-                <a:solidFill>
-                  <a:srgbClr val="87D494"/>
-                </a:solidFill>
-                <a:latin typeface="Bookman Old Style"/>
-                <a:ea typeface="Batang"/>
-              </a:rPr>
-              <a:t>Разработка сервисов для приложения "Острова 65"</a:t>
-            </a:r>
-            <a:br>
-              <a:rPr lang="ru-RU" sz="2000"/>
-            </a:br>
-            <a:endParaRPr lang="ru-RU" sz="2000">
-              <a:solidFill>
-                <a:srgbClr val="87D494"/>
-              </a:solidFill>
-            </a:endParaRPr>
-          </a:p>
-        </p:txBody>
-      </p:sp>
-      <p:sp>
-        <p:nvSpPr>
-          <p:cNvPr id="4" name="Дата 3">
-            <a:extLst>
-              <a:ext uri="{FF2B5EF4-FFF2-40B4-BE49-F238E27FC236}">
-                <a16:creationId xmlns:a16="http://schemas.microsoft.com/office/drawing/2014/main" id="{53BA9C21-93FC-F675-7D27-8BDBBA85A465}"/>
-              </a:ext>
-            </a:extLst>
-          </p:cNvPr>
-          <p:cNvSpPr>
-            <a:spLocks noGrp="1"/>
-          </p:cNvSpPr>
-          <p:nvPr>
-            <p:ph type="dt" sz="half" idx="10"/>
-          </p:nvPr>
-        </p:nvSpPr>
-        <p:spPr/>
-        <p:txBody>
-          <a:bodyPr/>
-          <a:lstStyle/>
-          <a:p>
             <a:fld id="{422B1DCD-B53B-466D-B517-2AB70F9E83B7}" type="datetime1">
-              <a:t>21.12.2024</a:t>
+              <a:t>22.12.2024</a:t>
             </a:fld>
             <a:endParaRPr lang="en-US"/>
           </a:p>
@@ -12177,6 +12010,190 @@
           </a:prstGeom>
         </p:spPr>
       </p:pic>
+      <p:sp>
+        <p:nvSpPr>
+          <p:cNvPr id="10" name="TextBox 9">
+            <a:extLst>
+              <a:ext uri="{FF2B5EF4-FFF2-40B4-BE49-F238E27FC236}">
+                <a16:creationId xmlns:a16="http://schemas.microsoft.com/office/drawing/2014/main" id="{DF6E9F52-736A-41D4-AEF1-6929EFECC5C7}"/>
+              </a:ext>
+            </a:extLst>
+          </p:cNvPr>
+          <p:cNvSpPr txBox="1"/>
+          <p:nvPr/>
+        </p:nvSpPr>
+        <p:spPr>
+          <a:xfrm>
+            <a:off x="107576" y="940520"/>
+            <a:ext cx="6096000" cy="1477328"/>
+          </a:xfrm>
+          <a:prstGeom prst="rect">
+            <a:avLst/>
+          </a:prstGeom>
+          <a:noFill/>
+        </p:spPr>
+        <p:txBody>
+          <a:bodyPr wrap="square">
+            <a:spAutoFit/>
+          </a:bodyPr>
+          <a:lstStyle/>
+          <a:p>
+            <a:r>
+              <a:rPr lang="ru-RU" sz="1800" dirty="0">
+                <a:solidFill>
+                  <a:srgbClr val="87D494"/>
+                </a:solidFill>
+                <a:latin typeface="Franklin Gothic Medium" panose="020B0603020102020204" pitchFamily="34" charset="0"/>
+              </a:rPr>
+              <a:t>C/</a:t>
+            </a:r>
+            <a:r>
+              <a:rPr lang="ru-RU" sz="1800" dirty="0" err="1">
+                <a:solidFill>
+                  <a:srgbClr val="87D494"/>
+                </a:solidFill>
+                <a:latin typeface="Franklin Gothic Medium" panose="020B0603020102020204" pitchFamily="34" charset="0"/>
+              </a:rPr>
+              <a:t>Users</a:t>
+            </a:r>
+            <a:r>
+              <a:rPr lang="ru-RU" sz="1800" dirty="0">
+                <a:solidFill>
+                  <a:srgbClr val="87D494"/>
+                </a:solidFill>
+                <a:latin typeface="Franklin Gothic Medium" panose="020B0603020102020204" pitchFamily="34" charset="0"/>
+              </a:rPr>
+              <a:t>/Nonames.txt.2.0</a:t>
+            </a:r>
+            <a:br>
+              <a:rPr lang="ru-RU" sz="1800" dirty="0">
+                <a:latin typeface="Franklin Gothic Medium" panose="020B0603020102020204" pitchFamily="34" charset="0"/>
+              </a:rPr>
+            </a:br>
+            <a:r>
+              <a:rPr lang="ru-RU" sz="1800" dirty="0" err="1">
+                <a:solidFill>
+                  <a:srgbClr val="87D494"/>
+                </a:solidFill>
+                <a:latin typeface="Franklin Gothic Medium" panose="020B0603020102020204" pitchFamily="34" charset="0"/>
+              </a:rPr>
+              <a:t>importing</a:t>
+            </a:r>
+            <a:r>
+              <a:rPr lang="ru-RU" sz="1800" dirty="0">
+                <a:solidFill>
+                  <a:srgbClr val="87D494"/>
+                </a:solidFill>
+                <a:latin typeface="Franklin Gothic Medium" panose="020B0603020102020204" pitchFamily="34" charset="0"/>
+              </a:rPr>
+              <a:t> </a:t>
+            </a:r>
+            <a:r>
+              <a:rPr lang="ru-RU" sz="1800" dirty="0" err="1">
+                <a:solidFill>
+                  <a:srgbClr val="87D494"/>
+                </a:solidFill>
+                <a:latin typeface="Franklin Gothic Medium" panose="020B0603020102020204" pitchFamily="34" charset="0"/>
+              </a:rPr>
+              <a:t>free</a:t>
+            </a:r>
+            <a:r>
+              <a:rPr lang="ru-RU" sz="1800" dirty="0">
+                <a:solidFill>
+                  <a:srgbClr val="87D494"/>
+                </a:solidFill>
+                <a:latin typeface="Franklin Gothic Medium" panose="020B0603020102020204" pitchFamily="34" charset="0"/>
+              </a:rPr>
+              <a:t> </a:t>
+            </a:r>
+            <a:r>
+              <a:rPr lang="ru-RU" sz="1800" dirty="0" err="1">
+                <a:solidFill>
+                  <a:srgbClr val="87D494"/>
+                </a:solidFill>
+                <a:latin typeface="Franklin Gothic Medium" panose="020B0603020102020204" pitchFamily="34" charset="0"/>
+              </a:rPr>
+              <a:t>time</a:t>
+            </a:r>
+            <a:br>
+              <a:rPr lang="ru-RU" sz="1800" dirty="0">
+                <a:latin typeface="Franklin Gothic Medium" panose="020B0603020102020204" pitchFamily="34" charset="0"/>
+              </a:rPr>
+            </a:br>
+            <a:r>
+              <a:rPr lang="ru-RU" sz="1800" dirty="0">
+                <a:solidFill>
+                  <a:srgbClr val="87D494"/>
+                </a:solidFill>
+                <a:latin typeface="Franklin Gothic Medium" panose="020B0603020102020204" pitchFamily="34" charset="0"/>
+              </a:rPr>
+              <a:t>Boot </a:t>
+            </a:r>
+            <a:r>
+              <a:rPr lang="ru-RU" sz="1800" dirty="0" err="1">
+                <a:solidFill>
+                  <a:srgbClr val="87D494"/>
+                </a:solidFill>
+                <a:latin typeface="Franklin Gothic Medium" panose="020B0603020102020204" pitchFamily="34" charset="0"/>
+              </a:rPr>
+              <a:t>up</a:t>
+            </a:r>
+            <a:r>
+              <a:rPr lang="ru-RU" sz="1800" dirty="0">
+                <a:solidFill>
+                  <a:srgbClr val="87D494"/>
+                </a:solidFill>
+                <a:latin typeface="Franklin Gothic Medium" panose="020B0603020102020204" pitchFamily="34" charset="0"/>
+              </a:rPr>
+              <a:t> </a:t>
+            </a:r>
+            <a:r>
+              <a:rPr lang="ru-RU" sz="1800" dirty="0" err="1">
+                <a:solidFill>
+                  <a:srgbClr val="87D494"/>
+                </a:solidFill>
+                <a:latin typeface="Franklin Gothic Medium" panose="020B0603020102020204" pitchFamily="34" charset="0"/>
+              </a:rPr>
+              <a:t>sequence</a:t>
+            </a:r>
+            <a:r>
+              <a:rPr lang="ru-RU" sz="1800" dirty="0">
+                <a:solidFill>
+                  <a:srgbClr val="87D494"/>
+                </a:solidFill>
+                <a:latin typeface="Franklin Gothic Medium" panose="020B0603020102020204" pitchFamily="34" charset="0"/>
+              </a:rPr>
+              <a:t> . . .</a:t>
+            </a:r>
+            <a:br>
+              <a:rPr lang="ru-RU" sz="1800" dirty="0">
+                <a:solidFill>
+                  <a:srgbClr val="87D494"/>
+                </a:solidFill>
+                <a:latin typeface="Franklin Gothic Medium" panose="020B0603020102020204" pitchFamily="34" charset="0"/>
+              </a:rPr>
+            </a:br>
+            <a:br>
+              <a:rPr lang="ru-RU" sz="1800" dirty="0">
+                <a:latin typeface="Franklin Gothic Medium" panose="020B0603020102020204" pitchFamily="34" charset="0"/>
+              </a:rPr>
+            </a:br>
+            <a:r>
+              <a:rPr lang="ru-RU" sz="1800" dirty="0">
+                <a:solidFill>
+                  <a:srgbClr val="87D494"/>
+                </a:solidFill>
+                <a:latin typeface="Franklin Gothic Medium" panose="020B0603020102020204" pitchFamily="34" charset="0"/>
+                <a:ea typeface="Batang"/>
+              </a:rPr>
+              <a:t>Разработка сервисов для приложения "Острова 65"</a:t>
+            </a:r>
+            <a:endParaRPr lang="ru-RU" dirty="0">
+              <a:latin typeface="Franklin Gothic Medium" panose="020B0603020102020204" pitchFamily="34" charset="0"/>
+            </a:endParaRPr>
+          </a:p>
+        </p:txBody>
+      </p:sp>
     </p:spTree>
     <p:extLst>
       <p:ext uri="{BB962C8B-B14F-4D97-AF65-F5344CB8AC3E}">
@@ -12283,7 +12300,7 @@
           <a:lstStyle/>
           <a:p>
             <a:fld id="{32319358-052F-4808-BB8F-2CB2B927A657}" type="datetime1">
-              <a:t>21.12.2024</a:t>
+              <a:t>22.12.2024</a:t>
             </a:fld>
             <a:endParaRPr lang="en-US"/>
           </a:p>
@@ -12424,7 +12441,7 @@
           <a:lstStyle/>
           <a:p>
             <a:fld id="{7375FE97-0BD3-49B1-A193-36F734A675AB}" type="datetime1">
-              <a:t>21.12.2024</a:t>
+              <a:t>22.12.2024</a:t>
             </a:fld>
             <a:endParaRPr lang="en-US"/>
           </a:p>
@@ -12638,10 +12655,10 @@
       </p:sp>
       <p:pic>
         <p:nvPicPr>
-          <p:cNvPr id="7" name="Рисунок 6" descr="2.gif [speed output image]">
-            <a:extLst>
-              <a:ext uri="{FF2B5EF4-FFF2-40B4-BE49-F238E27FC236}">
-                <a16:creationId xmlns:a16="http://schemas.microsoft.com/office/drawing/2014/main" id="{FE623A2D-DF19-51A1-BB97-24DF36E6A6B2}"/>
+          <p:cNvPr id="10" name="Объект 7" descr="Изображение выглядит как лошадь, искусство&#10;&#10;Автоматически созданное описание">
+            <a:extLst>
+              <a:ext uri="{FF2B5EF4-FFF2-40B4-BE49-F238E27FC236}">
+                <a16:creationId xmlns:a16="http://schemas.microsoft.com/office/drawing/2014/main" id="{3336A3D3-8230-4017-954E-5FF75E608C6D}"/>
               </a:ext>
             </a:extLst>
           </p:cNvPr>
@@ -12658,8 +12675,8 @@
         </p:blipFill>
         <p:spPr>
           <a:xfrm>
-            <a:off x="9372601" y="3424767"/>
-            <a:ext cx="2040466" cy="2379133"/>
+            <a:off x="9377677" y="3427607"/>
+            <a:ext cx="2024999" cy="2358781"/>
           </a:xfrm>
           <a:prstGeom prst="rect">
             <a:avLst/>
@@ -12755,7 +12772,7 @@
           <a:lstStyle/>
           <a:p>
             <a:fld id="{7375FE97-0BD3-49B1-A193-36F734A675AB}" type="datetime1">
-              <a:t>21.12.2024</a:t>
+              <a:t>22.12.2024</a:t>
             </a:fld>
             <a:endParaRPr lang="en-US"/>
           </a:p>
@@ -12927,10 +12944,10 @@
       </p:sp>
       <p:pic>
         <p:nvPicPr>
-          <p:cNvPr id="15" name="Рисунок 14" descr="2.gif [speed output image]">
-            <a:extLst>
-              <a:ext uri="{FF2B5EF4-FFF2-40B4-BE49-F238E27FC236}">
-                <a16:creationId xmlns:a16="http://schemas.microsoft.com/office/drawing/2014/main" id="{CC3C2D1D-91FD-728E-23A8-C3D0219338E8}"/>
+          <p:cNvPr id="9" name="Объект 7" descr="Изображение выглядит как лошадь, искусство&#10;&#10;Автоматически созданное описание">
+            <a:extLst>
+              <a:ext uri="{FF2B5EF4-FFF2-40B4-BE49-F238E27FC236}">
+                <a16:creationId xmlns:a16="http://schemas.microsoft.com/office/drawing/2014/main" id="{0215CABC-EA14-4D43-B037-374EC57CCF45}"/>
               </a:ext>
             </a:extLst>
           </p:cNvPr>
@@ -12947,8 +12964,8 @@
         </p:blipFill>
         <p:spPr>
           <a:xfrm>
-            <a:off x="9372601" y="3424768"/>
-            <a:ext cx="2040466" cy="2379132"/>
+            <a:off x="9377677" y="3427607"/>
+            <a:ext cx="2024999" cy="2358781"/>
           </a:xfrm>
           <a:prstGeom prst="rect">
             <a:avLst/>
@@ -13044,7 +13061,7 @@
           <a:lstStyle/>
           <a:p>
             <a:fld id="{6325F25B-4ACF-4685-8F38-24522480ED4A}" type="datetime1">
-              <a:t>21.12.2024</a:t>
+              <a:t>22.12.2024</a:t>
             </a:fld>
             <a:endParaRPr lang="en-US"/>
           </a:p>
@@ -13214,21 +13231,44 @@
           </a:p>
         </p:txBody>
       </p:sp>
+      <p:sp>
+        <p:nvSpPr>
+          <p:cNvPr id="9" name="Объект 8">
+            <a:extLst>
+              <a:ext uri="{FF2B5EF4-FFF2-40B4-BE49-F238E27FC236}">
+                <a16:creationId xmlns:a16="http://schemas.microsoft.com/office/drawing/2014/main" id="{5758F4C8-BBDE-4269-8C30-A75E02AC7511}"/>
+              </a:ext>
+            </a:extLst>
+          </p:cNvPr>
+          <p:cNvSpPr>
+            <a:spLocks noGrp="1"/>
+          </p:cNvSpPr>
+          <p:nvPr>
+            <p:ph idx="1"/>
+          </p:nvPr>
+        </p:nvSpPr>
+        <p:spPr/>
+        <p:txBody>
+          <a:bodyPr/>
+          <a:lstStyle/>
+          <a:p>
+            <a:endParaRPr lang="ru-RU"/>
+          </a:p>
+        </p:txBody>
+      </p:sp>
       <p:pic>
         <p:nvPicPr>
-          <p:cNvPr id="3" name="Объект 2" descr="2.gif [speed output image]">
-            <a:extLst>
-              <a:ext uri="{FF2B5EF4-FFF2-40B4-BE49-F238E27FC236}">
-                <a16:creationId xmlns:a16="http://schemas.microsoft.com/office/drawing/2014/main" id="{27AF2051-0DAB-9427-9767-0109882241A8}"/>
+          <p:cNvPr id="11" name="Объект 7" descr="Изображение выглядит как лошадь, искусство&#10;&#10;Автоматически созданное описание">
+            <a:extLst>
+              <a:ext uri="{FF2B5EF4-FFF2-40B4-BE49-F238E27FC236}">
+                <a16:creationId xmlns:a16="http://schemas.microsoft.com/office/drawing/2014/main" id="{D378BBF6-01F5-4A0A-A36F-70F10FE7E978}"/>
               </a:ext>
             </a:extLst>
           </p:cNvPr>
           <p:cNvPicPr>
-            <a:picLocks noGrp="1" noChangeAspect="1"/>
+            <a:picLocks noChangeAspect="1"/>
           </p:cNvPicPr>
-          <p:nvPr>
-            <p:ph idx="1"/>
-          </p:nvPr>
+          <p:nvPr/>
         </p:nvPicPr>
         <p:blipFill>
           <a:blip r:embed="rId2"/>
@@ -13238,9 +13278,12 @@
         </p:blipFill>
         <p:spPr>
           <a:xfrm>
-            <a:off x="9373130" y="3433234"/>
-            <a:ext cx="2040466" cy="2357966"/>
+            <a:off x="9377677" y="3427607"/>
+            <a:ext cx="2024999" cy="2358781"/>
           </a:xfrm>
+          <a:prstGeom prst="rect">
+            <a:avLst/>
+          </a:prstGeom>
         </p:spPr>
       </p:pic>
     </p:spTree>
@@ -13357,7 +13400,7 @@
           <a:lstStyle/>
           <a:p>
             <a:fld id="{C00FBDCD-BEE0-42CA-A4E7-18C0D9BE9750}" type="datetime1">
-              <a:t>21.12.2024</a:t>
+              <a:t>22.12.2024</a:t>
             </a:fld>
             <a:endParaRPr lang="en-US"/>
           </a:p>
@@ -13529,15 +13572,15 @@
       </p:sp>
       <p:pic>
         <p:nvPicPr>
-          <p:cNvPr id="9" name="Объект 14">
-            <a:extLst>
-              <a:ext uri="{FF2B5EF4-FFF2-40B4-BE49-F238E27FC236}">
-                <a16:creationId xmlns:a16="http://schemas.microsoft.com/office/drawing/2014/main" id="{623E01CD-F37A-5D17-3A85-9A1A39F7BB7B}"/>
+          <p:cNvPr id="11" name="Объект 7" descr="Изображение выглядит как лошадь, искусство&#10;&#10;Автоматически созданное описание">
+            <a:extLst>
+              <a:ext uri="{FF2B5EF4-FFF2-40B4-BE49-F238E27FC236}">
+                <a16:creationId xmlns:a16="http://schemas.microsoft.com/office/drawing/2014/main" id="{16E2B696-8368-48AE-8252-53F22CB756CA}"/>
               </a:ext>
             </a:extLst>
           </p:cNvPr>
           <p:cNvPicPr>
-            <a:picLocks noGrp="1" noChangeAspect="1"/>
+            <a:picLocks noChangeAspect="1"/>
           </p:cNvPicPr>
           <p:nvPr/>
         </p:nvPicPr>
@@ -13549,8 +13592,8 @@
         </p:blipFill>
         <p:spPr>
           <a:xfrm>
-            <a:off x="9371502" y="3425093"/>
-            <a:ext cx="2033724" cy="2357143"/>
+            <a:off x="9377677" y="3427607"/>
+            <a:ext cx="2024999" cy="2358781"/>
           </a:xfrm>
           <a:prstGeom prst="rect">
             <a:avLst/>
@@ -13624,35 +13667,6 @@
           </a:p>
         </p:txBody>
       </p:sp>
-      <p:pic>
-        <p:nvPicPr>
-          <p:cNvPr id="7" name="Объект 6" descr="2.gif [speed output image]">
-            <a:extLst>
-              <a:ext uri="{FF2B5EF4-FFF2-40B4-BE49-F238E27FC236}">
-                <a16:creationId xmlns:a16="http://schemas.microsoft.com/office/drawing/2014/main" id="{10FA9452-EA02-DDAE-318F-6980B9122BE1}"/>
-              </a:ext>
-            </a:extLst>
-          </p:cNvPr>
-          <p:cNvPicPr>
-            <a:picLocks noGrp="1" noChangeAspect="1"/>
-          </p:cNvPicPr>
-          <p:nvPr>
-            <p:ph idx="1"/>
-          </p:nvPr>
-        </p:nvPicPr>
-        <p:blipFill>
-          <a:blip r:embed="rId2"/>
-          <a:stretch>
-            <a:fillRect/>
-          </a:stretch>
-        </p:blipFill>
-        <p:spPr>
-          <a:xfrm>
-            <a:off x="9371502" y="3425093"/>
-            <a:ext cx="2033953" cy="2366107"/>
-          </a:xfrm>
-        </p:spPr>
-      </p:pic>
       <p:sp>
         <p:nvSpPr>
           <p:cNvPr id="4" name="Дата 3">
@@ -13675,7 +13689,7 @@
           <a:lstStyle/>
           <a:p>
             <a:fld id="{C00FBDCD-BEE0-42CA-A4E7-18C0D9BE9750}" type="datetime1">
-              <a:t>21.12.2024</a:t>
+              <a:t>22.12.2024</a:t>
             </a:fld>
             <a:endParaRPr lang="en-US"/>
           </a:p>
@@ -13845,6 +13859,61 @@
           </a:p>
         </p:txBody>
       </p:sp>
+      <p:sp>
+        <p:nvSpPr>
+          <p:cNvPr id="9" name="Объект 8">
+            <a:extLst>
+              <a:ext uri="{FF2B5EF4-FFF2-40B4-BE49-F238E27FC236}">
+                <a16:creationId xmlns:a16="http://schemas.microsoft.com/office/drawing/2014/main" id="{A67663F7-78BE-4A8F-870C-3975E02BDF71}"/>
+              </a:ext>
+            </a:extLst>
+          </p:cNvPr>
+          <p:cNvSpPr>
+            <a:spLocks noGrp="1"/>
+          </p:cNvSpPr>
+          <p:nvPr>
+            <p:ph idx="1"/>
+          </p:nvPr>
+        </p:nvSpPr>
+        <p:spPr/>
+        <p:txBody>
+          <a:bodyPr/>
+          <a:lstStyle/>
+          <a:p>
+            <a:endParaRPr lang="ru-RU"/>
+          </a:p>
+        </p:txBody>
+      </p:sp>
+      <p:pic>
+        <p:nvPicPr>
+          <p:cNvPr id="11" name="Объект 7" descr="Изображение выглядит как лошадь, искусство&#10;&#10;Автоматически созданное описание">
+            <a:extLst>
+              <a:ext uri="{FF2B5EF4-FFF2-40B4-BE49-F238E27FC236}">
+                <a16:creationId xmlns:a16="http://schemas.microsoft.com/office/drawing/2014/main" id="{BBB9512B-444D-464A-871E-A750B0FA7955}"/>
+              </a:ext>
+            </a:extLst>
+          </p:cNvPr>
+          <p:cNvPicPr>
+            <a:picLocks noChangeAspect="1"/>
+          </p:cNvPicPr>
+          <p:nvPr/>
+        </p:nvPicPr>
+        <p:blipFill>
+          <a:blip r:embed="rId2"/>
+          <a:stretch>
+            <a:fillRect/>
+          </a:stretch>
+        </p:blipFill>
+        <p:spPr>
+          <a:xfrm>
+            <a:off x="9377677" y="3427607"/>
+            <a:ext cx="2024999" cy="2358781"/>
+          </a:xfrm>
+          <a:prstGeom prst="rect">
+            <a:avLst/>
+          </a:prstGeom>
+        </p:spPr>
+      </p:pic>
     </p:spTree>
     <p:extLst>
       <p:ext uri="{BB962C8B-B14F-4D97-AF65-F5344CB8AC3E}">
@@ -13912,35 +13981,6 @@
           </a:p>
         </p:txBody>
       </p:sp>
-      <p:pic>
-        <p:nvPicPr>
-          <p:cNvPr id="7" name="Объект 6" descr="2.gif [speed output image]">
-            <a:extLst>
-              <a:ext uri="{FF2B5EF4-FFF2-40B4-BE49-F238E27FC236}">
-                <a16:creationId xmlns:a16="http://schemas.microsoft.com/office/drawing/2014/main" id="{DE435874-874E-DA47-144B-4C64954B3183}"/>
-              </a:ext>
-            </a:extLst>
-          </p:cNvPr>
-          <p:cNvPicPr>
-            <a:picLocks noGrp="1" noChangeAspect="1"/>
-          </p:cNvPicPr>
-          <p:nvPr>
-            <p:ph idx="1"/>
-          </p:nvPr>
-        </p:nvPicPr>
-        <p:blipFill>
-          <a:blip r:embed="rId2"/>
-          <a:stretch>
-            <a:fillRect/>
-          </a:stretch>
-        </p:blipFill>
-        <p:spPr>
-          <a:xfrm>
-            <a:off x="9369874" y="3425093"/>
-            <a:ext cx="2033953" cy="2366107"/>
-          </a:xfrm>
-        </p:spPr>
-      </p:pic>
       <p:sp>
         <p:nvSpPr>
           <p:cNvPr id="4" name="Дата 3">
@@ -13963,7 +14003,7 @@
           <a:lstStyle/>
           <a:p>
             <a:fld id="{C00FBDCD-BEE0-42CA-A4E7-18C0D9BE9750}" type="datetime1">
-              <a:t>21.12.2024</a:t>
+              <a:t>22.12.2024</a:t>
             </a:fld>
             <a:endParaRPr lang="en-US"/>
           </a:p>
@@ -14133,6 +14173,61 @@
           </a:p>
         </p:txBody>
       </p:sp>
+      <p:sp>
+        <p:nvSpPr>
+          <p:cNvPr id="9" name="Объект 8">
+            <a:extLst>
+              <a:ext uri="{FF2B5EF4-FFF2-40B4-BE49-F238E27FC236}">
+                <a16:creationId xmlns:a16="http://schemas.microsoft.com/office/drawing/2014/main" id="{66356F7F-5B35-49D5-A61D-239E28C127CD}"/>
+              </a:ext>
+            </a:extLst>
+          </p:cNvPr>
+          <p:cNvSpPr>
+            <a:spLocks noGrp="1"/>
+          </p:cNvSpPr>
+          <p:nvPr>
+            <p:ph idx="1"/>
+          </p:nvPr>
+        </p:nvSpPr>
+        <p:spPr/>
+        <p:txBody>
+          <a:bodyPr/>
+          <a:lstStyle/>
+          <a:p>
+            <a:endParaRPr lang="ru-RU"/>
+          </a:p>
+        </p:txBody>
+      </p:sp>
+      <p:pic>
+        <p:nvPicPr>
+          <p:cNvPr id="11" name="Объект 7" descr="Изображение выглядит как лошадь, искусство&#10;&#10;Автоматически созданное описание">
+            <a:extLst>
+              <a:ext uri="{FF2B5EF4-FFF2-40B4-BE49-F238E27FC236}">
+                <a16:creationId xmlns:a16="http://schemas.microsoft.com/office/drawing/2014/main" id="{476B4836-2A3A-4D5F-8E1A-6F573FF06909}"/>
+              </a:ext>
+            </a:extLst>
+          </p:cNvPr>
+          <p:cNvPicPr>
+            <a:picLocks noChangeAspect="1"/>
+          </p:cNvPicPr>
+          <p:nvPr/>
+        </p:nvPicPr>
+        <p:blipFill>
+          <a:blip r:embed="rId2"/>
+          <a:stretch>
+            <a:fillRect/>
+          </a:stretch>
+        </p:blipFill>
+        <p:spPr>
+          <a:xfrm>
+            <a:off x="9377677" y="3427607"/>
+            <a:ext cx="2024999" cy="2358781"/>
+          </a:xfrm>
+          <a:prstGeom prst="rect">
+            <a:avLst/>
+          </a:prstGeom>
+        </p:spPr>
+      </p:pic>
     </p:spTree>
     <p:extLst>
       <p:ext uri="{BB962C8B-B14F-4D97-AF65-F5344CB8AC3E}">
@@ -14222,7 +14317,7 @@
           <a:lstStyle/>
           <a:p>
             <a:fld id="{C00FBDCD-BEE0-42CA-A4E7-18C0D9BE9750}" type="datetime1">
-              <a:t>21.12.2024</a:t>
+              <a:t>22.12.2024</a:t>
             </a:fld>
             <a:endParaRPr lang="en-US"/>
           </a:p>
@@ -14419,10 +14514,10 @@
       </p:sp>
       <p:pic>
         <p:nvPicPr>
-          <p:cNvPr id="13" name="Объект 6" descr="2.gif [speed output image]">
-            <a:extLst>
-              <a:ext uri="{FF2B5EF4-FFF2-40B4-BE49-F238E27FC236}">
-                <a16:creationId xmlns:a16="http://schemas.microsoft.com/office/drawing/2014/main" id="{92892A76-B9A6-3777-8B95-1A40D9B533E6}"/>
+          <p:cNvPr id="12" name="Объект 7" descr="Изображение выглядит как лошадь, искусство&#10;&#10;Автоматически созданное описание">
+            <a:extLst>
+              <a:ext uri="{FF2B5EF4-FFF2-40B4-BE49-F238E27FC236}">
+                <a16:creationId xmlns:a16="http://schemas.microsoft.com/office/drawing/2014/main" id="{B2E11A68-8927-47F7-AB66-F70A37577EFF}"/>
               </a:ext>
             </a:extLst>
           </p:cNvPr>
@@ -14439,8 +14534,8 @@
         </p:blipFill>
         <p:spPr>
           <a:xfrm>
-            <a:off x="9378839" y="3425092"/>
-            <a:ext cx="2024989" cy="2357143"/>
+            <a:off x="9377677" y="3427607"/>
+            <a:ext cx="2024999" cy="2358781"/>
           </a:xfrm>
           <a:prstGeom prst="rect">
             <a:avLst/>
@@ -14457,13 +14552,13 @@
   <p:clrMapOvr>
     <a:masterClrMapping/>
   </p:clrMapOvr>
-  <mc:AlternateContent xmlns:mc="http://schemas.openxmlformats.org/markup-compatibility/2006">
-    <mc:Choice xmlns:p159="http://schemas.microsoft.com/office/powerpoint/2015/09/main" Requires="p159">
+  <mc:AlternateContent xmlns:mc="http://schemas.openxmlformats.org/markup-compatibility/2006" xmlns:p159="http://schemas.microsoft.com/office/powerpoint/2015/09/main">
+    <mc:Choice Requires="p159">
       <p:transition xmlns:p14="http://schemas.microsoft.com/office/powerpoint/2010/main" spd="slow" p14:dur="2000">
         <p159:morph option="byObject"/>
       </p:transition>
     </mc:Choice>
-    <mc:Fallback>
+    <mc:Fallback xmlns="">
       <p:transition spd="slow">
         <p:fade/>
       </p:transition>
@@ -14536,7 +14631,7 @@
           <a:lstStyle/>
           <a:p>
             <a:fld id="{C00FBDCD-BEE0-42CA-A4E7-18C0D9BE9750}" type="datetime1">
-              <a:t>21.12.2024</a:t>
+              <a:t>22.12.2024</a:t>
             </a:fld>
             <a:endParaRPr lang="en-US"/>
           </a:p>
@@ -14877,6 +14972,36 @@
           </p:sp>
         </p:grpSp>
       </p:grpSp>
+      <p:pic>
+        <p:nvPicPr>
+          <p:cNvPr id="13" name="Объект 7" descr="Изображение выглядит как лошадь, искусство&#10;&#10;Автоматически созданное описание">
+            <a:extLst>
+              <a:ext uri="{FF2B5EF4-FFF2-40B4-BE49-F238E27FC236}">
+                <a16:creationId xmlns:a16="http://schemas.microsoft.com/office/drawing/2014/main" id="{53555283-DEFA-42FD-B139-A1403AC25BD0}"/>
+              </a:ext>
+            </a:extLst>
+          </p:cNvPr>
+          <p:cNvPicPr>
+            <a:picLocks noChangeAspect="1"/>
+          </p:cNvPicPr>
+          <p:nvPr/>
+        </p:nvPicPr>
+        <p:blipFill>
+          <a:blip r:embed="rId3"/>
+          <a:stretch>
+            <a:fillRect/>
+          </a:stretch>
+        </p:blipFill>
+        <p:spPr>
+          <a:xfrm>
+            <a:off x="9377677" y="3427607"/>
+            <a:ext cx="2024999" cy="2358781"/>
+          </a:xfrm>
+          <a:prstGeom prst="rect">
+            <a:avLst/>
+          </a:prstGeom>
+        </p:spPr>
+      </p:pic>
     </p:spTree>
     <p:extLst>
       <p:ext uri="{BB962C8B-B14F-4D97-AF65-F5344CB8AC3E}">
@@ -15805,6 +15930,26 @@
 </file>
 
 <file path=customXml/item1.xml><?xml version="1.0" encoding="utf-8"?>
+<p:properties xmlns:p="http://schemas.microsoft.com/office/2006/metadata/properties" xmlns:xsi="http://www.w3.org/2001/XMLSchema-instance" xmlns:pc="http://schemas.microsoft.com/office/infopath/2007/PartnerControls">
+  <documentManagement>
+    <_ip_UnifiedCompliancePolicyUIAction xmlns="http://schemas.microsoft.com/sharepoint/v3" xsi:nil="true"/>
+    <Image xmlns="71af3243-3dd4-4a8d-8c0d-dd76da1f02a5">
+      <Url xsi:nil="true"/>
+      <Description xsi:nil="true"/>
+    </Image>
+    <Status xmlns="71af3243-3dd4-4a8d-8c0d-dd76da1f02a5">Not started</Status>
+    <Background xmlns="71af3243-3dd4-4a8d-8c0d-dd76da1f02a5">false</Background>
+    <_ip_UnifiedCompliancePolicyProperties xmlns="http://schemas.microsoft.com/sharepoint/v3" xsi:nil="true"/>
+    <ImageTagsTaxHTField xmlns="71af3243-3dd4-4a8d-8c0d-dd76da1f02a5">
+      <Terms xmlns="http://schemas.microsoft.com/office/infopath/2007/PartnerControls"/>
+    </ImageTagsTaxHTField>
+    <TaxCatchAll xmlns="230e9df3-be65-4c73-a93b-d1236ebd677e" xsi:nil="true"/>
+    <MediaServiceKeyPoints xmlns="71af3243-3dd4-4a8d-8c0d-dd76da1f02a5" xsi:nil="true"/>
+  </documentManagement>
+</p:properties>
+</file>
+
+<file path=customXml/item2.xml><?xml version="1.0" encoding="utf-8"?>
 <?mso-contentType ?>
 <FormTemplates xmlns="http://schemas.microsoft.com/sharepoint/v3/contenttype/forms">
   <Display>DocumentLibraryForm</Display>
@@ -15813,7 +15958,7 @@
 </FormTemplates>
 </file>
 
-<file path=customXml/item2.xml><?xml version="1.0" encoding="utf-8"?>
+<file path=customXml/item3.xml><?xml version="1.0" encoding="utf-8"?>
 <ct:contentTypeSchema xmlns:ct="http://schemas.microsoft.com/office/2006/metadata/contentType" xmlns:ma="http://schemas.microsoft.com/office/2006/metadata/properties/metaAttributes" ct:_="" ma:_="" ma:contentTypeName="Document" ma:contentTypeID="0x01010079F111ED35F8CC479449609E8A0923A6" ma:contentTypeVersion="28" ma:contentTypeDescription="Create a new document." ma:contentTypeScope="" ma:versionID="60f5a4f2d2b0abadcf532d48ebf9cb71">
   <xsd:schema xmlns:xsd="http://www.w3.org/2001/XMLSchema" xmlns:xs="http://www.w3.org/2001/XMLSchema" xmlns:p="http://schemas.microsoft.com/office/2006/metadata/properties" xmlns:ns1="http://schemas.microsoft.com/sharepoint/v3" xmlns:ns2="71af3243-3dd4-4a8d-8c0d-dd76da1f02a5" xmlns:ns3="16c05727-aa75-4e4a-9b5f-8a80a1165891" xmlns:ns4="230e9df3-be65-4c73-a93b-d1236ebd677e" targetNamespace="http://schemas.microsoft.com/office/2006/metadata/properties" ma:root="true" ma:fieldsID="7dd78129e6a1811f84807ad11c651531" ns1:_="" ns2:_="" ns3:_="" ns4:_="">
     <xsd:import namespace="http://schemas.microsoft.com/sharepoint/v3"/>
@@ -16125,27 +16270,19 @@
 </ct:contentTypeSchema>
 </file>
 
-<file path=customXml/item3.xml><?xml version="1.0" encoding="utf-8"?>
-<p:properties xmlns:p="http://schemas.microsoft.com/office/2006/metadata/properties" xmlns:xsi="http://www.w3.org/2001/XMLSchema-instance" xmlns:pc="http://schemas.microsoft.com/office/infopath/2007/PartnerControls">
-  <documentManagement>
-    <_ip_UnifiedCompliancePolicyUIAction xmlns="http://schemas.microsoft.com/sharepoint/v3" xsi:nil="true"/>
-    <Image xmlns="71af3243-3dd4-4a8d-8c0d-dd76da1f02a5">
-      <Url xsi:nil="true"/>
-      <Description xsi:nil="true"/>
-    </Image>
-    <Status xmlns="71af3243-3dd4-4a8d-8c0d-dd76da1f02a5">Not started</Status>
-    <Background xmlns="71af3243-3dd4-4a8d-8c0d-dd76da1f02a5">false</Background>
-    <_ip_UnifiedCompliancePolicyProperties xmlns="http://schemas.microsoft.com/sharepoint/v3" xsi:nil="true"/>
-    <ImageTagsTaxHTField xmlns="71af3243-3dd4-4a8d-8c0d-dd76da1f02a5">
-      <Terms xmlns="http://schemas.microsoft.com/office/infopath/2007/PartnerControls"/>
-    </ImageTagsTaxHTField>
-    <TaxCatchAll xmlns="230e9df3-be65-4c73-a93b-d1236ebd677e" xsi:nil="true"/>
-    <MediaServiceKeyPoints xmlns="71af3243-3dd4-4a8d-8c0d-dd76da1f02a5" xsi:nil="true"/>
-  </documentManagement>
-</p:properties>
+<file path=customXml/itemProps1.xml><?xml version="1.0" encoding="utf-8"?>
+<ds:datastoreItem xmlns:ds="http://schemas.openxmlformats.org/officeDocument/2006/customXml" ds:itemID="{E42E6C21-1752-4E06-9FE3-208D45ADB668}">
+  <ds:schemaRefs>
+    <ds:schemaRef ds:uri="230e9df3-be65-4c73-a93b-d1236ebd677e"/>
+    <ds:schemaRef ds:uri="71af3243-3dd4-4a8d-8c0d-dd76da1f02a5"/>
+    <ds:schemaRef ds:uri="http://schemas.microsoft.com/office/2006/metadata/properties"/>
+    <ds:schemaRef ds:uri="http://schemas.microsoft.com/office/infopath/2007/PartnerControls"/>
+    <ds:schemaRef ds:uri="http://schemas.microsoft.com/sharepoint/v3"/>
+  </ds:schemaRefs>
+</ds:datastoreItem>
 </file>
 
-<file path=customXml/itemProps1.xml><?xml version="1.0" encoding="utf-8"?>
+<file path=customXml/itemProps2.xml><?xml version="1.0" encoding="utf-8"?>
 <ds:datastoreItem xmlns:ds="http://schemas.openxmlformats.org/officeDocument/2006/customXml" ds:itemID="{A78D9019-7CE1-4B77-8F5D-67F6576598CB}">
   <ds:schemaRefs>
     <ds:schemaRef ds:uri="http://schemas.microsoft.com/sharepoint/v3/contenttype/forms"/>
@@ -16153,7 +16290,7 @@
 </ds:datastoreItem>
 </file>
 
-<file path=customXml/itemProps2.xml><?xml version="1.0" encoding="utf-8"?>
+<file path=customXml/itemProps3.xml><?xml version="1.0" encoding="utf-8"?>
 <ds:datastoreItem xmlns:ds="http://schemas.openxmlformats.org/officeDocument/2006/customXml" ds:itemID="{AF6E7B4D-FB62-47B7-AAA7-0DEC9938DB8A}">
   <ds:schemaRefs>
     <ds:schemaRef ds:uri="16c05727-aa75-4e4a-9b5f-8a80a1165891"/>
@@ -16174,18 +16311,6 @@
 </ds:datastoreItem>
 </file>
 
-<file path=customXml/itemProps3.xml><?xml version="1.0" encoding="utf-8"?>
-<ds:datastoreItem xmlns:ds="http://schemas.openxmlformats.org/officeDocument/2006/customXml" ds:itemID="{E42E6C21-1752-4E06-9FE3-208D45ADB668}">
-  <ds:schemaRefs>
-    <ds:schemaRef ds:uri="230e9df3-be65-4c73-a93b-d1236ebd677e"/>
-    <ds:schemaRef ds:uri="71af3243-3dd4-4a8d-8c0d-dd76da1f02a5"/>
-    <ds:schemaRef ds:uri="http://schemas.microsoft.com/office/2006/metadata/properties"/>
-    <ds:schemaRef ds:uri="http://schemas.microsoft.com/office/infopath/2007/PartnerControls"/>
-    <ds:schemaRef ds:uri="http://schemas.microsoft.com/sharepoint/v3"/>
-  </ds:schemaRefs>
-</ds:datastoreItem>
-</file>
-
 <file path=docMetadata/LabelInfo.xml><?xml version="1.0" encoding="utf-8"?>
 <clbl:labelList xmlns:clbl="http://schemas.microsoft.com/office/2020/mipLabelMetadata"/>
 </file>